--- a/business report.pptx
+++ b/business report.pptx
@@ -316,7 +316,7 @@
           <a:p>
             <a:fld id="{0D4E46AA-1EC0-4433-9956-E798E94A6FB7}" type="datetimeFigureOut">
               <a:rPr lang="en-US" smtClean="0"/>
-              <a:t>9/12/2024</a:t>
+              <a:t>9/13/2024</a:t>
             </a:fld>
             <a:endParaRPr lang="en-US"/>
           </a:p>
@@ -514,7 +514,7 @@
           <a:p>
             <a:fld id="{0D4E46AA-1EC0-4433-9956-E798E94A6FB7}" type="datetimeFigureOut">
               <a:rPr lang="en-US" smtClean="0"/>
-              <a:t>9/12/2024</a:t>
+              <a:t>9/13/2024</a:t>
             </a:fld>
             <a:endParaRPr lang="en-US"/>
           </a:p>
@@ -722,7 +722,7 @@
           <a:p>
             <a:fld id="{0D4E46AA-1EC0-4433-9956-E798E94A6FB7}" type="datetimeFigureOut">
               <a:rPr lang="en-US" smtClean="0"/>
-              <a:t>9/12/2024</a:t>
+              <a:t>9/13/2024</a:t>
             </a:fld>
             <a:endParaRPr lang="en-US"/>
           </a:p>
@@ -920,7 +920,7 @@
           <a:p>
             <a:fld id="{0D4E46AA-1EC0-4433-9956-E798E94A6FB7}" type="datetimeFigureOut">
               <a:rPr lang="en-US" smtClean="0"/>
-              <a:t>9/12/2024</a:t>
+              <a:t>9/13/2024</a:t>
             </a:fld>
             <a:endParaRPr lang="en-US"/>
           </a:p>
@@ -1199,7 +1199,7 @@
           <a:p>
             <a:fld id="{0D4E46AA-1EC0-4433-9956-E798E94A6FB7}" type="datetimeFigureOut">
               <a:rPr lang="en-US" smtClean="0"/>
-              <a:t>9/12/2024</a:t>
+              <a:t>9/13/2024</a:t>
             </a:fld>
             <a:endParaRPr lang="en-US"/>
           </a:p>
@@ -1464,7 +1464,7 @@
           <a:p>
             <a:fld id="{0D4E46AA-1EC0-4433-9956-E798E94A6FB7}" type="datetimeFigureOut">
               <a:rPr lang="en-US" smtClean="0"/>
-              <a:t>9/12/2024</a:t>
+              <a:t>9/13/2024</a:t>
             </a:fld>
             <a:endParaRPr lang="en-US"/>
           </a:p>
@@ -1880,7 +1880,7 @@
           <a:p>
             <a:fld id="{0D4E46AA-1EC0-4433-9956-E798E94A6FB7}" type="datetimeFigureOut">
               <a:rPr lang="en-US" smtClean="0"/>
-              <a:t>9/12/2024</a:t>
+              <a:t>9/13/2024</a:t>
             </a:fld>
             <a:endParaRPr lang="en-US"/>
           </a:p>
@@ -2021,7 +2021,7 @@
           <a:p>
             <a:fld id="{0D4E46AA-1EC0-4433-9956-E798E94A6FB7}" type="datetimeFigureOut">
               <a:rPr lang="en-US" smtClean="0"/>
-              <a:t>9/12/2024</a:t>
+              <a:t>9/13/2024</a:t>
             </a:fld>
             <a:endParaRPr lang="en-US"/>
           </a:p>
@@ -2134,7 +2134,7 @@
           <a:p>
             <a:fld id="{0D4E46AA-1EC0-4433-9956-E798E94A6FB7}" type="datetimeFigureOut">
               <a:rPr lang="en-US" smtClean="0"/>
-              <a:t>9/12/2024</a:t>
+              <a:t>9/13/2024</a:t>
             </a:fld>
             <a:endParaRPr lang="en-US"/>
           </a:p>
@@ -2447,7 +2447,7 @@
           <a:p>
             <a:fld id="{0D4E46AA-1EC0-4433-9956-E798E94A6FB7}" type="datetimeFigureOut">
               <a:rPr lang="en-US" smtClean="0"/>
-              <a:t>9/12/2024</a:t>
+              <a:t>9/13/2024</a:t>
             </a:fld>
             <a:endParaRPr lang="en-US"/>
           </a:p>
@@ -2735,7 +2735,7 @@
           <a:p>
             <a:fld id="{0D4E46AA-1EC0-4433-9956-E798E94A6FB7}" type="datetimeFigureOut">
               <a:rPr lang="en-US" smtClean="0"/>
-              <a:t>9/12/2024</a:t>
+              <a:t>9/13/2024</a:t>
             </a:fld>
             <a:endParaRPr lang="en-US"/>
           </a:p>
@@ -2975,7 +2975,7 @@
             <a:fld id="{0D4E46AA-1EC0-4433-9956-E798E94A6FB7}" type="datetimeFigureOut">
               <a:rPr lang="en-US" smtClean="0"/>
               <a:pPr/>
-              <a:t>9/12/2024</a:t>
+              <a:t>9/13/2024</a:t>
             </a:fld>
             <a:endParaRPr lang="en-US" dirty="0"/>
           </a:p>
@@ -3709,6 +3709,14 @@
               </a:rPr>
               <a:t>Omar Mohamed</a:t>
             </a:r>
+            <a:r>
+              <a:rPr lang="en-US" sz="1800" b="1" spc="300" dirty="0">
+                <a:latin typeface="+mn-lt"/>
+                <a:ea typeface="+mn-ea"/>
+                <a:cs typeface="+mn-cs"/>
+              </a:rPr>
+              <a:t> Omar</a:t>
+            </a:r>
             <a:endParaRPr lang="en-US" sz="1800" b="1" cap="all" spc="300" dirty="0">
               <a:latin typeface="+mn-lt"/>
               <a:ea typeface="+mn-ea"/>
@@ -3734,7 +3742,7 @@
                 <a:ea typeface="+mn-ea"/>
                 <a:cs typeface="+mn-cs"/>
               </a:rPr>
-              <a:t>Yehia fares</a:t>
+              <a:t>Yehia Fares</a:t>
             </a:r>
           </a:p>
           <a:p>
@@ -3759,12 +3767,20 @@
               <a:t>Yehia </a:t>
             </a:r>
             <a:r>
-              <a:rPr lang="en-US" sz="1800" b="1" kern="1200" spc="300" baseline="0" dirty="0" err="1">
+              <a:rPr lang="en-US" sz="1800" b="1" spc="300" dirty="0">
                 <a:latin typeface="+mn-lt"/>
                 <a:ea typeface="+mn-ea"/>
                 <a:cs typeface="+mn-cs"/>
               </a:rPr>
-              <a:t>mohamed</a:t>
+              <a:t>M</a:t>
+            </a:r>
+            <a:r>
+              <a:rPr lang="en-US" sz="1800" b="1" kern="1200" spc="300" baseline="0" dirty="0">
+                <a:latin typeface="+mn-lt"/>
+                <a:ea typeface="+mn-ea"/>
+                <a:cs typeface="+mn-cs"/>
+              </a:rPr>
+              <a:t>ohamed</a:t>
             </a:r>
             <a:endParaRPr lang="en-US" sz="1800" b="1" cap="all" spc="300" dirty="0">
               <a:latin typeface="+mn-lt"/>
@@ -6083,13 +6099,13 @@
   <p:clrMapOvr>
     <a:masterClrMapping/>
   </p:clrMapOvr>
-  <mc:AlternateContent xmlns:mc="http://schemas.openxmlformats.org/markup-compatibility/2006">
-    <mc:Choice xmlns:p159="http://schemas.microsoft.com/office/powerpoint/2015/09/main" Requires="p159">
+  <mc:AlternateContent xmlns:mc="http://schemas.openxmlformats.org/markup-compatibility/2006" xmlns:p159="http://schemas.microsoft.com/office/powerpoint/2015/09/main">
+    <mc:Choice Requires="p159">
       <p:transition xmlns:p14="http://schemas.microsoft.com/office/powerpoint/2010/main" spd="slow" p14:dur="2000">
         <p159:morph option="byObject"/>
       </p:transition>
     </mc:Choice>
-    <mc:Fallback>
+    <mc:Fallback xmlns="">
       <p:transition spd="slow">
         <p:fade/>
       </p:transition>
@@ -9101,7 +9117,7 @@
             </a:pPr>
             <a:r>
               <a:rPr lang="en-US" dirty="0" err="1"/>
-              <a:t>scrubing</a:t>
+              <a:t>Scrubing</a:t>
             </a:r>
             <a:r>
               <a:rPr lang="en-US" dirty="0"/>
@@ -9184,13 +9200,13 @@
   <p:clrMapOvr>
     <a:masterClrMapping/>
   </p:clrMapOvr>
-  <mc:AlternateContent xmlns:mc="http://schemas.openxmlformats.org/markup-compatibility/2006">
-    <mc:Choice xmlns:p159="http://schemas.microsoft.com/office/powerpoint/2015/09/main" Requires="p159">
+  <mc:AlternateContent xmlns:mc="http://schemas.openxmlformats.org/markup-compatibility/2006" xmlns:p159="http://schemas.microsoft.com/office/powerpoint/2015/09/main">
+    <mc:Choice Requires="p159">
       <p:transition xmlns:p14="http://schemas.microsoft.com/office/powerpoint/2010/main" spd="slow" p14:dur="2000">
         <p159:morph option="byObject"/>
       </p:transition>
     </mc:Choice>
-    <mc:Fallback>
+    <mc:Fallback xmlns="">
       <p:transition spd="slow">
         <p:fade/>
       </p:transition>
@@ -9651,10 +9667,9 @@
               <a:buAutoNum type="arabicPeriod" startAt="3"/>
             </a:pPr>
             <a:r>
-              <a:rPr lang="en-US" dirty="0" err="1"/>
-              <a:t>iNterpret</a:t>
-            </a:r>
-            <a:endParaRPr lang="en-US" dirty="0"/>
+              <a:rPr lang="en-US" dirty="0"/>
+              <a:t>Interpret</a:t>
+            </a:r>
           </a:p>
           <a:p>
             <a:pPr lvl="2"/>
@@ -9675,13 +9690,13 @@
   <p:clrMapOvr>
     <a:masterClrMapping/>
   </p:clrMapOvr>
-  <mc:AlternateContent xmlns:mc="http://schemas.openxmlformats.org/markup-compatibility/2006">
-    <mc:Choice xmlns:p159="http://schemas.microsoft.com/office/powerpoint/2015/09/main" Requires="p159">
+  <mc:AlternateContent xmlns:mc="http://schemas.openxmlformats.org/markup-compatibility/2006" xmlns:p159="http://schemas.microsoft.com/office/powerpoint/2015/09/main">
+    <mc:Choice Requires="p159">
       <p:transition xmlns:p14="http://schemas.microsoft.com/office/powerpoint/2010/main" spd="slow" p14:dur="2000">
         <p159:morph option="byObject"/>
       </p:transition>
     </mc:Choice>
-    <mc:Fallback>
+    <mc:Fallback xmlns="">
       <p:transition spd="slow">
         <p:fade/>
       </p:transition>
@@ -10263,13 +10278,13 @@
   <p:clrMapOvr>
     <a:masterClrMapping/>
   </p:clrMapOvr>
-  <mc:AlternateContent xmlns:mc="http://schemas.openxmlformats.org/markup-compatibility/2006">
-    <mc:Choice xmlns:p159="http://schemas.microsoft.com/office/powerpoint/2015/09/main" Requires="p159">
+  <mc:AlternateContent xmlns:mc="http://schemas.openxmlformats.org/markup-compatibility/2006" xmlns:p159="http://schemas.microsoft.com/office/powerpoint/2015/09/main">
+    <mc:Choice Requires="p159">
       <p:transition xmlns:p14="http://schemas.microsoft.com/office/powerpoint/2010/main" spd="slow" p14:dur="2000">
         <p159:morph option="byObject"/>
       </p:transition>
     </mc:Choice>
-    <mc:Fallback>
+    <mc:Fallback xmlns="">
       <p:transition spd="slow">
         <p:fade/>
       </p:transition>
